--- a/javaweb笔记/SSM笔记.pptx
+++ b/javaweb笔记/SSM笔记.pptx
@@ -432,7 +432,7 @@
           <a:p>
             <a:fld id="{D2A48B96-639E-45A3-A0BA-2464DFDB1FAA}" type="datetimeFigureOut">
               <a:rPr lang="zh-CN" altLang="en-US" smtClean="0"/>
-              <a:t>2018/12/29 Saturday</a:t>
+              <a:t>2019/1/23 Wednesday</a:t>
             </a:fld>
             <a:endParaRPr lang="zh-CN" altLang="en-US"/>
           </a:p>
@@ -879,7 +879,7 @@
           <a:p>
             <a:fld id="{82F288E0-7875-42C4-84C8-98DBBD3BF4D2}" type="datetimeFigureOut">
               <a:rPr lang="zh-CN" altLang="en-US" smtClean="0"/>
-              <a:t>2018/12/29 Saturday</a:t>
+              <a:t>2019/1/23 Wednesday</a:t>
             </a:fld>
             <a:endParaRPr lang="zh-CN" altLang="en-US"/>
           </a:p>
@@ -1025,7 +1025,7 @@
           <a:p>
             <a:fld id="{82F288E0-7875-42C4-84C8-98DBBD3BF4D2}" type="datetimeFigureOut">
               <a:rPr lang="zh-CN" altLang="en-US" smtClean="0"/>
-              <a:t>2018/12/29 Saturday</a:t>
+              <a:t>2019/1/23 Wednesday</a:t>
             </a:fld>
             <a:endParaRPr lang="zh-CN" altLang="en-US"/>
           </a:p>
@@ -1188,7 +1188,7 @@
           <a:p>
             <a:fld id="{82F288E0-7875-42C4-84C8-98DBBD3BF4D2}" type="datetimeFigureOut">
               <a:rPr lang="zh-CN" altLang="en-US" smtClean="0"/>
-              <a:t>2018/12/29 Saturday</a:t>
+              <a:t>2019/1/23 Wednesday</a:t>
             </a:fld>
             <a:endParaRPr lang="zh-CN" altLang="en-US"/>
           </a:p>
@@ -1428,7 +1428,7 @@
           <a:p>
             <a:fld id="{82F288E0-7875-42C4-84C8-98DBBD3BF4D2}" type="datetimeFigureOut">
               <a:rPr lang="zh-CN" altLang="en-US" smtClean="0"/>
-              <a:t>2018/12/29 Saturday</a:t>
+              <a:t>2019/1/23 Wednesday</a:t>
             </a:fld>
             <a:endParaRPr lang="zh-CN" altLang="en-US"/>
           </a:p>
@@ -1652,7 +1652,7 @@
           <a:p>
             <a:fld id="{82F288E0-7875-42C4-84C8-98DBBD3BF4D2}" type="datetimeFigureOut">
               <a:rPr lang="zh-CN" altLang="en-US" smtClean="0"/>
-              <a:t>2018/12/29 Saturday</a:t>
+              <a:t>2019/1/23 Wednesday</a:t>
             </a:fld>
             <a:endParaRPr lang="zh-CN" altLang="en-US"/>
           </a:p>
@@ -2011,7 +2011,7 @@
           <a:p>
             <a:fld id="{82F288E0-7875-42C4-84C8-98DBBD3BF4D2}" type="datetimeFigureOut">
               <a:rPr lang="zh-CN" altLang="en-US" smtClean="0"/>
-              <a:t>2018/12/29 Saturday</a:t>
+              <a:t>2019/1/23 Wednesday</a:t>
             </a:fld>
             <a:endParaRPr lang="zh-CN" altLang="en-US"/>
           </a:p>
@@ -2123,7 +2123,7 @@
           <a:p>
             <a:fld id="{82F288E0-7875-42C4-84C8-98DBBD3BF4D2}" type="datetimeFigureOut">
               <a:rPr lang="zh-CN" altLang="en-US" smtClean="0"/>
-              <a:t>2018/12/29 Saturday</a:t>
+              <a:t>2019/1/23 Wednesday</a:t>
             </a:fld>
             <a:endParaRPr lang="zh-CN" altLang="en-US"/>
           </a:p>
@@ -2213,7 +2213,7 @@
           <a:p>
             <a:fld id="{82F288E0-7875-42C4-84C8-98DBBD3BF4D2}" type="datetimeFigureOut">
               <a:rPr lang="zh-CN" altLang="en-US" smtClean="0"/>
-              <a:t>2018/12/29 Saturday</a:t>
+              <a:t>2019/1/23 Wednesday</a:t>
             </a:fld>
             <a:endParaRPr lang="zh-CN" altLang="en-US"/>
           </a:p>
@@ -2460,7 +2460,7 @@
           <a:p>
             <a:fld id="{82F288E0-7875-42C4-84C8-98DBBD3BF4D2}" type="datetimeFigureOut">
               <a:rPr lang="zh-CN" altLang="en-US" smtClean="0"/>
-              <a:t>2018/12/29 Saturday</a:t>
+              <a:t>2019/1/23 Wednesday</a:t>
             </a:fld>
             <a:endParaRPr lang="zh-CN" altLang="en-US"/>
           </a:p>
@@ -2633,7 +2633,7 @@
           <a:p>
             <a:fld id="{82F288E0-7875-42C4-84C8-98DBBD3BF4D2}" type="datetimeFigureOut">
               <a:rPr lang="zh-CN" altLang="en-US" smtClean="0"/>
-              <a:t>2018/12/29 Saturday</a:t>
+              <a:t>2019/1/23 Wednesday</a:t>
             </a:fld>
             <a:endParaRPr lang="zh-CN" altLang="en-US"/>
           </a:p>
@@ -2842,7 +2842,7 @@
           <a:p>
             <a:fld id="{82F288E0-7875-42C4-84C8-98DBBD3BF4D2}" type="datetimeFigureOut">
               <a:rPr lang="zh-CN" altLang="en-US" smtClean="0"/>
-              <a:t>2018/12/29 Saturday</a:t>
+              <a:t>2019/1/23 Wednesday</a:t>
             </a:fld>
             <a:endParaRPr lang="zh-CN" altLang="en-US"/>
           </a:p>
@@ -7345,7 +7345,7 @@
           <a:graphicData uri="http://schemas.openxmlformats.org/presentationml/2006/ole">
             <mc:AlternateContent xmlns:mc="http://schemas.openxmlformats.org/markup-compatibility/2006">
               <mc:Choice xmlns:v="urn:schemas-microsoft-com:vml" Requires="v">
-                <p:oleObj spid="_x0000_s1049" r:id="rId3" imgW="10096500" imgH="876300" progId="Paint.Picture">
+                <p:oleObj spid="_x0000_s1051" r:id="rId3" imgW="10096500" imgH="876300" progId="Paint.Picture">
                   <p:embed/>
                 </p:oleObj>
               </mc:Choice>
@@ -7394,7 +7394,7 @@
           <a:graphicData uri="http://schemas.openxmlformats.org/presentationml/2006/ole">
             <mc:AlternateContent xmlns:mc="http://schemas.openxmlformats.org/markup-compatibility/2006">
               <mc:Choice xmlns:v="urn:schemas-microsoft-com:vml" Requires="v">
-                <p:oleObj spid="_x0000_s1050" r:id="rId5" imgW="10696575" imgH="1095375" progId="Paint.Picture">
+                <p:oleObj spid="_x0000_s1052" r:id="rId5" imgW="10696575" imgH="1095375" progId="Paint.Picture">
                   <p:embed/>
                 </p:oleObj>
               </mc:Choice>
@@ -9331,7 +9331,7 @@
         <p:spPr>
           <a:xfrm>
             <a:off x="10160" y="38735"/>
-            <a:ext cx="12172315" cy="5354320"/>
+            <a:ext cx="12172315" cy="5632311"/>
           </a:xfrm>
           <a:prstGeom prst="rect">
             <a:avLst/>
@@ -10417,6 +10417,72 @@
                 <a:sym typeface="+mn-ea"/>
               </a:rPr>
               <a:t>		    </a:t>
+            </a:r>
+          </a:p>
+          <a:p>
+            <a:r>
+              <a:rPr lang="en-US" altLang="zh-CN" b="1" u="sng">
+                <a:solidFill>
+                  <a:srgbClr val="FF0000"/>
+                </a:solidFill>
+                <a:effectLst>
+                  <a:outerShdw blurRad="38100" dist="25400" dir="5400000" algn="ctr" rotWithShape="0">
+                    <a:srgbClr val="6E747A">
+                      <a:alpha val="43000"/>
+                    </a:srgbClr>
+                  </a:outerShdw>
+                </a:effectLst>
+                <a:sym typeface="+mn-ea"/>
+              </a:rPr>
+              <a:t>SpringMVC</a:t>
+            </a:r>
+            <a:r>
+              <a:rPr lang="zh-CN" altLang="en-US" b="1" u="sng">
+                <a:solidFill>
+                  <a:srgbClr val="FF0000"/>
+                </a:solidFill>
+                <a:effectLst>
+                  <a:outerShdw blurRad="38100" dist="25400" dir="5400000" algn="ctr" rotWithShape="0">
+                    <a:srgbClr val="6E747A">
+                      <a:alpha val="43000"/>
+                    </a:srgbClr>
+                  </a:outerShdw>
+                </a:effectLst>
+                <a:sym typeface="+mn-ea"/>
+              </a:rPr>
+              <a:t>中的转发和重定向（</a:t>
+            </a:r>
+            <a:r>
+              <a:rPr lang="en-US" altLang="zh-CN" b="1" u="sng">
+                <a:solidFill>
+                  <a:srgbClr val="FF0000"/>
+                </a:solidFill>
+                <a:effectLst>
+                  <a:outerShdw blurRad="38100" dist="25400" dir="5400000" algn="ctr" rotWithShape="0">
+                    <a:srgbClr val="6E747A">
+                      <a:alpha val="43000"/>
+                    </a:srgbClr>
+                  </a:outerShdw>
+                </a:effectLst>
+                <a:sym typeface="+mn-ea"/>
+              </a:rPr>
+              <a:t> https://blog.csdn.net/qq_28165595/article/details/76896354 </a:t>
+            </a:r>
+            <a:r>
+              <a:rPr lang="zh-CN" altLang="en-US" b="1" u="sng">
+                <a:solidFill>
+                  <a:srgbClr val="FF0000"/>
+                </a:solidFill>
+                <a:effectLst>
+                  <a:outerShdw blurRad="38100" dist="25400" dir="5400000" algn="ctr" rotWithShape="0">
+                    <a:srgbClr val="6E747A">
+                      <a:alpha val="43000"/>
+                    </a:srgbClr>
+                  </a:outerShdw>
+                </a:effectLst>
+                <a:sym typeface="+mn-ea"/>
+              </a:rPr>
+              <a:t>）</a:t>
             </a:r>
             <a:r>
               <a:rPr lang="en-US" altLang="zh-CN" b="1">
